--- a/capstone-story-template.pptx
+++ b/capstone-story-template.pptx
@@ -1958,7 +1958,7 @@
           <a:p>
             <a:fld id="{9E497948-54D2-43F8-9A63-A99FE3051738}" type="datetimeFigureOut">
               <a:rPr lang="en-US" smtClean="0"/>
-              <a:t>6/3/2022</a:t>
+              <a:t>2/3/2023</a:t>
             </a:fld>
             <a:endParaRPr lang="en-US"/>
           </a:p>
@@ -5449,8 +5449,8 @@
         </p:nvSpPr>
         <p:spPr>
           <a:xfrm>
-            <a:off x="6172200" y="2345719"/>
-            <a:ext cx="2900302" cy="1325563"/>
+            <a:off x="5972864" y="1848074"/>
+            <a:ext cx="6002568" cy="1325563"/>
           </a:xfrm>
         </p:spPr>
         <p:txBody>
@@ -5464,8 +5464,10 @@
                 <a:solidFill>
                   <a:srgbClr val="0E659B"/>
                 </a:solidFill>
+                <a:latin typeface="Calibri" panose="020F0502020204030204" pitchFamily="34" charset="0"/>
+                <a:cs typeface="Calibri" panose="020F0502020204030204" pitchFamily="34" charset="0"/>
               </a:rPr>
-              <a:t>&lt;TITLE&gt;</a:t>
+              <a:t>Emerging Technology Trends – Key Findings</a:t>
             </a:r>
           </a:p>
         </p:txBody>
@@ -5533,8 +5535,11 @@
               <a:buNone/>
             </a:pPr>
             <a:r>
-              <a:rPr lang="en-US" dirty="0"/>
-              <a:t>&lt;NAME&gt;</a:t>
+              <a:rPr lang="en-US" dirty="0">
+                <a:latin typeface="Calibri" panose="020F0502020204030204" pitchFamily="34" charset="0"/>
+                <a:cs typeface="Calibri" panose="020F0502020204030204" pitchFamily="34" charset="0"/>
+              </a:rPr>
+              <a:t>Vadim Savenkov</a:t>
             </a:r>
           </a:p>
           <a:p>
@@ -5542,8 +5547,11 @@
               <a:buNone/>
             </a:pPr>
             <a:r>
-              <a:rPr lang="en-US" dirty="0"/>
-              <a:t>&lt;DATE&gt;</a:t>
+              <a:rPr lang="en-US" dirty="0">
+                <a:latin typeface="Calibri" panose="020F0502020204030204" pitchFamily="34" charset="0"/>
+                <a:cs typeface="Calibri" panose="020F0502020204030204" pitchFamily="34" charset="0"/>
+              </a:rPr>
+              <a:t>2023-02-03</a:t>
             </a:r>
           </a:p>
         </p:txBody>
@@ -8103,7 +8111,10 @@
           <a:lstStyle/>
           <a:p>
             <a:r>
-              <a:rPr lang="en-US" dirty="0"/>
+              <a:rPr lang="en-US" b="1" dirty="0">
+                <a:latin typeface="Calibri" panose="020F0502020204030204" pitchFamily="34" charset="0"/>
+                <a:cs typeface="Calibri" panose="020F0502020204030204" pitchFamily="34" charset="0"/>
+              </a:rPr>
               <a:t>OUTLINE</a:t>
             </a:r>
           </a:p>
@@ -8138,64 +8149,94 @@
           <a:lstStyle/>
           <a:p>
             <a:r>
-              <a:rPr lang="en-US" sz="2200" dirty="0"/>
+              <a:rPr lang="en-US" sz="2200" dirty="0">
+                <a:latin typeface="Calibri" panose="020F0502020204030204" pitchFamily="34" charset="0"/>
+                <a:cs typeface="Calibri" panose="020F0502020204030204" pitchFamily="34" charset="0"/>
+              </a:rPr>
               <a:t>Executive Summary</a:t>
             </a:r>
           </a:p>
           <a:p>
             <a:r>
-              <a:rPr lang="en-US" sz="2200" dirty="0"/>
+              <a:rPr lang="en-US" sz="2200" dirty="0">
+                <a:latin typeface="Calibri" panose="020F0502020204030204" pitchFamily="34" charset="0"/>
+                <a:cs typeface="Calibri" panose="020F0502020204030204" pitchFamily="34" charset="0"/>
+              </a:rPr>
               <a:t>Introduction</a:t>
             </a:r>
           </a:p>
           <a:p>
             <a:r>
-              <a:rPr lang="en-US" sz="2200" dirty="0"/>
+              <a:rPr lang="en-US" sz="2200" dirty="0">
+                <a:latin typeface="Calibri" panose="020F0502020204030204" pitchFamily="34" charset="0"/>
+                <a:cs typeface="Calibri" panose="020F0502020204030204" pitchFamily="34" charset="0"/>
+              </a:rPr>
               <a:t>Methodology</a:t>
             </a:r>
           </a:p>
           <a:p>
             <a:r>
-              <a:rPr lang="en-US" sz="2200" dirty="0"/>
+              <a:rPr lang="en-US" sz="2200" dirty="0">
+                <a:latin typeface="Calibri" panose="020F0502020204030204" pitchFamily="34" charset="0"/>
+                <a:cs typeface="Calibri" panose="020F0502020204030204" pitchFamily="34" charset="0"/>
+              </a:rPr>
               <a:t>Results</a:t>
             </a:r>
           </a:p>
           <a:p>
             <a:pPr lvl="1"/>
             <a:r>
-              <a:rPr lang="en-US" sz="1800" dirty="0"/>
+              <a:rPr lang="en-US" sz="1800" dirty="0">
+                <a:latin typeface="Calibri" panose="020F0502020204030204" pitchFamily="34" charset="0"/>
+                <a:cs typeface="Calibri" panose="020F0502020204030204" pitchFamily="34" charset="0"/>
+              </a:rPr>
               <a:t>Visualization – Charts</a:t>
             </a:r>
           </a:p>
           <a:p>
             <a:pPr lvl="1"/>
             <a:r>
-              <a:rPr lang="en-US" sz="1800" dirty="0"/>
+              <a:rPr lang="en-US" sz="1800" dirty="0">
+                <a:latin typeface="Calibri" panose="020F0502020204030204" pitchFamily="34" charset="0"/>
+                <a:cs typeface="Calibri" panose="020F0502020204030204" pitchFamily="34" charset="0"/>
+              </a:rPr>
               <a:t>Dashboard</a:t>
             </a:r>
           </a:p>
           <a:p>
             <a:r>
-              <a:rPr lang="en-US" sz="2200" dirty="0"/>
+              <a:rPr lang="en-US" sz="2200" dirty="0">
+                <a:latin typeface="Calibri" panose="020F0502020204030204" pitchFamily="34" charset="0"/>
+                <a:cs typeface="Calibri" panose="020F0502020204030204" pitchFamily="34" charset="0"/>
+              </a:rPr>
               <a:t>Discussion</a:t>
             </a:r>
           </a:p>
           <a:p>
             <a:pPr lvl="1"/>
             <a:r>
-              <a:rPr lang="en-US" sz="1800" dirty="0"/>
+              <a:rPr lang="en-US" sz="1800" dirty="0">
+                <a:latin typeface="Calibri" panose="020F0502020204030204" pitchFamily="34" charset="0"/>
+                <a:cs typeface="Calibri" panose="020F0502020204030204" pitchFamily="34" charset="0"/>
+              </a:rPr>
               <a:t>Findings &amp; Implications</a:t>
             </a:r>
           </a:p>
           <a:p>
             <a:r>
-              <a:rPr lang="en-US" sz="2200" dirty="0"/>
+              <a:rPr lang="en-US" sz="2200" dirty="0">
+                <a:latin typeface="Calibri" panose="020F0502020204030204" pitchFamily="34" charset="0"/>
+                <a:cs typeface="Calibri" panose="020F0502020204030204" pitchFamily="34" charset="0"/>
+              </a:rPr>
               <a:t>Conclusion</a:t>
             </a:r>
           </a:p>
           <a:p>
             <a:r>
-              <a:rPr lang="en-US" sz="2200" dirty="0"/>
+              <a:rPr lang="en-US" sz="2200" dirty="0">
+                <a:latin typeface="Calibri" panose="020F0502020204030204" pitchFamily="34" charset="0"/>
+                <a:cs typeface="Calibri" panose="020F0502020204030204" pitchFamily="34" charset="0"/>
+              </a:rPr>
               <a:t>Appendix</a:t>
             </a:r>
           </a:p>
@@ -8885,7 +8926,10 @@
           <a:lstStyle/>
           <a:p>
             <a:r>
-              <a:rPr lang="en-US" dirty="0"/>
+              <a:rPr lang="en-US" b="1" dirty="0">
+                <a:latin typeface="Calibri" panose="020F0502020204030204" pitchFamily="34" charset="0"/>
+                <a:cs typeface="Calibri" panose="020F0502020204030204" pitchFamily="34" charset="0"/>
+              </a:rPr>
               <a:t>EXECUTIVE SUMMARY</a:t>
             </a:r>
           </a:p>
@@ -8909,64 +8953,160 @@
         </p:nvSpPr>
         <p:spPr>
           <a:xfrm>
-            <a:off x="4285075" y="1825624"/>
-            <a:ext cx="7068725" cy="4465447"/>
+            <a:off x="4660213" y="1608102"/>
+            <a:ext cx="6711171" cy="4465447"/>
           </a:xfrm>
         </p:spPr>
         <p:txBody>
           <a:bodyPr>
-            <a:normAutofit/>
+            <a:normAutofit fontScale="92500" lnSpcReduction="10000"/>
           </a:bodyPr>
           <a:lstStyle/>
           <a:p>
             <a:r>
-              <a:rPr lang="en-US" sz="2200" dirty="0"/>
-              <a:t>Point1</a:t>
-            </a:r>
-          </a:p>
-          <a:p>
-            <a:r>
-              <a:rPr lang="en-US" sz="2200" dirty="0"/>
-              <a:t>Point2</a:t>
+              <a:rPr lang="en-US" sz="2200" dirty="0">
+                <a:latin typeface="Calibri" panose="020F0502020204030204" pitchFamily="34" charset="0"/>
+                <a:cs typeface="Calibri" panose="020F0502020204030204" pitchFamily="34" charset="0"/>
+              </a:rPr>
+              <a:t>Identifying technology trends for future skill requirements. </a:t>
+            </a:r>
+          </a:p>
+          <a:p>
+            <a:r>
+              <a:rPr lang="en-US" sz="2200" dirty="0">
+                <a:latin typeface="Calibri" panose="020F0502020204030204" pitchFamily="34" charset="0"/>
+                <a:cs typeface="Calibri" panose="020F0502020204030204" pitchFamily="34" charset="0"/>
+              </a:rPr>
+              <a:t>Collecting data from various sources and identifying trends for this year's report on emerging skills from:</a:t>
             </a:r>
           </a:p>
           <a:p>
             <a:pPr lvl="1"/>
             <a:r>
-              <a:rPr lang="en-US" sz="1800" dirty="0"/>
-              <a:t>Sub Point 1</a:t>
+              <a:rPr lang="en-US" sz="1800" dirty="0">
+                <a:latin typeface="Calibri" panose="020F0502020204030204" pitchFamily="34" charset="0"/>
+                <a:cs typeface="Calibri" panose="020F0502020204030204" pitchFamily="34" charset="0"/>
+              </a:rPr>
+              <a:t>Job postings</a:t>
             </a:r>
           </a:p>
           <a:p>
             <a:pPr lvl="1"/>
             <a:r>
-              <a:rPr lang="en-US" sz="1800" dirty="0"/>
-              <a:t>Sub Point 2</a:t>
+              <a:rPr lang="en-US" sz="1800" dirty="0">
+                <a:latin typeface="Calibri" panose="020F0502020204030204" pitchFamily="34" charset="0"/>
+                <a:cs typeface="Calibri" panose="020F0502020204030204" pitchFamily="34" charset="0"/>
+              </a:rPr>
+              <a:t>Training portals</a:t>
             </a:r>
           </a:p>
           <a:p>
             <a:pPr lvl="1"/>
             <a:r>
-              <a:rPr lang="en-US" sz="1800" dirty="0"/>
-              <a:t>Sub Point 3</a:t>
-            </a:r>
-          </a:p>
-          <a:p>
-            <a:r>
-              <a:rPr lang="en-US" sz="2200" dirty="0"/>
-              <a:t>Point3</a:t>
-            </a:r>
-          </a:p>
-          <a:p>
-            <a:r>
-              <a:rPr lang="en-US" sz="2200" dirty="0"/>
-              <a:t>Point4</a:t>
-            </a:r>
-          </a:p>
-          <a:p>
-            <a:r>
-              <a:rPr lang="en-US" sz="2200" dirty="0"/>
-              <a:t>Point5</a:t>
+              <a:rPr lang="en-US" sz="1800" dirty="0">
+                <a:latin typeface="Calibri" panose="020F0502020204030204" pitchFamily="34" charset="0"/>
+                <a:cs typeface="Calibri" panose="020F0502020204030204" pitchFamily="34" charset="0"/>
+              </a:rPr>
+              <a:t>Surveys</a:t>
+            </a:r>
+            <a:endParaRPr lang="en-US" sz="2200" dirty="0">
+              <a:latin typeface="Calibri" panose="020F0502020204030204" pitchFamily="34" charset="0"/>
+              <a:cs typeface="Calibri" panose="020F0502020204030204" pitchFamily="34" charset="0"/>
+            </a:endParaRPr>
+          </a:p>
+          <a:p>
+            <a:r>
+              <a:rPr lang="en-US" sz="2200" dirty="0">
+                <a:latin typeface="Calibri" panose="020F0502020204030204" pitchFamily="34" charset="0"/>
+                <a:cs typeface="Calibri" panose="020F0502020204030204" pitchFamily="34" charset="0"/>
+              </a:rPr>
+              <a:t>Analyzing the data and identifying insights and trends including:</a:t>
+            </a:r>
+          </a:p>
+          <a:p>
+            <a:pPr lvl="1"/>
+            <a:r>
+              <a:rPr lang="en-US" sz="1800" dirty="0">
+                <a:latin typeface="Calibri" panose="020F0502020204030204" pitchFamily="34" charset="0"/>
+                <a:cs typeface="Calibri" panose="020F0502020204030204" pitchFamily="34" charset="0"/>
+              </a:rPr>
+              <a:t>The top programming languages in demand</a:t>
+            </a:r>
+          </a:p>
+          <a:p>
+            <a:pPr lvl="1"/>
+            <a:r>
+              <a:rPr lang="en-US" sz="1800" dirty="0">
+                <a:latin typeface="Calibri" panose="020F0502020204030204" pitchFamily="34" charset="0"/>
+                <a:cs typeface="Calibri" panose="020F0502020204030204" pitchFamily="34" charset="0"/>
+              </a:rPr>
+              <a:t>The top database skills in demand</a:t>
+            </a:r>
+          </a:p>
+          <a:p>
+            <a:pPr lvl="1"/>
+            <a:r>
+              <a:rPr lang="en-US" sz="1800" dirty="0">
+                <a:latin typeface="Calibri" panose="020F0502020204030204" pitchFamily="34" charset="0"/>
+                <a:cs typeface="Calibri" panose="020F0502020204030204" pitchFamily="34" charset="0"/>
+              </a:rPr>
+              <a:t>The popular IDEs</a:t>
+            </a:r>
+          </a:p>
+          <a:p>
+            <a:pPr algn="l"/>
+            <a:r>
+              <a:rPr lang="en-US" sz="2200" dirty="0">
+                <a:latin typeface="Calibri" panose="020F0502020204030204" pitchFamily="34" charset="0"/>
+                <a:cs typeface="Calibri" panose="020F0502020204030204" pitchFamily="34" charset="0"/>
+              </a:rPr>
+              <a:t>Building dashboards to </a:t>
+            </a:r>
+            <a:r>
+              <a:rPr lang="en-US" sz="1600" b="0" i="0" dirty="0">
+                <a:solidFill>
+                  <a:srgbClr val="1F1F1F"/>
+                </a:solidFill>
+                <a:effectLst/>
+                <a:latin typeface="Source Sans Pro" panose="020B0503030403020204" pitchFamily="34" charset="0"/>
+              </a:rPr>
+              <a:t> </a:t>
+            </a:r>
+            <a:endParaRPr lang="en-US" sz="1600" b="0" i="0" dirty="0">
+              <a:solidFill>
+                <a:srgbClr val="333333"/>
+              </a:solidFill>
+              <a:effectLst/>
+              <a:latin typeface="OpenSans"/>
+            </a:endParaRPr>
+          </a:p>
+          <a:p>
+            <a:pPr algn="l"/>
+            <a:r>
+              <a:rPr lang="en-US" sz="1600" b="0" i="0" dirty="0">
+                <a:solidFill>
+                  <a:srgbClr val="1F1F1F"/>
+                </a:solidFill>
+                <a:effectLst/>
+                <a:latin typeface="Source Sans Pro" panose="020B0503030403020204" pitchFamily="34" charset="0"/>
+              </a:rPr>
+              <a:t>insights and trends</a:t>
+            </a:r>
+            <a:endParaRPr lang="en-US" sz="1600" b="0" i="0" dirty="0">
+              <a:solidFill>
+                <a:srgbClr val="333333"/>
+              </a:solidFill>
+              <a:effectLst/>
+              <a:latin typeface="OpenSans"/>
+            </a:endParaRPr>
+          </a:p>
+          <a:p>
+            <a:r>
+              <a:rPr lang="en-US" sz="2200" dirty="0">
+                <a:latin typeface="Calibri" panose="020F0502020204030204" pitchFamily="34" charset="0"/>
+                <a:cs typeface="Calibri" panose="020F0502020204030204" pitchFamily="34" charset="0"/>
+              </a:rPr>
+              <a:t> </a:t>
             </a:r>
           </a:p>
         </p:txBody>
@@ -11369,12 +11509,6 @@
 </file>
 
 <file path=customXml/item2.xml><?xml version="1.0" encoding="utf-8"?>
-<p:properties xmlns:p="http://schemas.microsoft.com/office/2006/metadata/properties" xmlns:xsi="http://www.w3.org/2001/XMLSchema-instance" xmlns:pc="http://schemas.microsoft.com/office/infopath/2007/PartnerControls">
-  <documentManagement/>
-</p:properties>
-</file>
-
-<file path=customXml/item3.xml><?xml version="1.0" encoding="utf-8"?>
 <ct:contentTypeSchema xmlns:ct="http://schemas.microsoft.com/office/2006/metadata/contentType" xmlns:ma="http://schemas.microsoft.com/office/2006/metadata/properties/metaAttributes" ct:_="" ma:_="" ma:contentTypeName="Document" ma:contentTypeID="0x010100EECD86F56755A646AC8AFCBCBD967F21" ma:contentTypeVersion="11" ma:contentTypeDescription="Create a new document." ma:contentTypeScope="" ma:versionID="4bc1015ece1c23b1ef2f55a62f11494f">
   <xsd:schema xmlns:xsd="http://www.w3.org/2001/XMLSchema" xmlns:xs="http://www.w3.org/2001/XMLSchema" xmlns:p="http://schemas.microsoft.com/office/2006/metadata/properties" xmlns:ns2="155be751-a274-42e8-93fb-f39d3b9bccc8" xmlns:ns3="f80a141d-92ca-4d3d-9308-f7e7b1d44ce8" targetNamespace="http://schemas.microsoft.com/office/2006/metadata/properties" ma:root="true" ma:fieldsID="efbf6837a43ed91190e40f849f23a130" ns2:_="" ns3:_="">
     <xsd:import namespace="155be751-a274-42e8-93fb-f39d3b9bccc8"/>
@@ -11585,6 +11719,12 @@
 </ct:contentTypeSchema>
 </file>
 
+<file path=customXml/item3.xml><?xml version="1.0" encoding="utf-8"?>
+<p:properties xmlns:p="http://schemas.microsoft.com/office/2006/metadata/properties" xmlns:xsi="http://www.w3.org/2001/XMLSchema-instance" xmlns:pc="http://schemas.microsoft.com/office/infopath/2007/PartnerControls">
+  <documentManagement/>
+</p:properties>
+</file>
+
 <file path=customXml/itemProps1.xml><?xml version="1.0" encoding="utf-8"?>
 <ds:datastoreItem xmlns:ds="http://schemas.openxmlformats.org/officeDocument/2006/customXml" ds:itemID="{7EFDA260-DDA0-422C-B7AE-778F653FBB36}">
   <ds:schemaRefs>
@@ -11594,15 +11734,6 @@
 </file>
 
 <file path=customXml/itemProps2.xml><?xml version="1.0" encoding="utf-8"?>
-<ds:datastoreItem xmlns:ds="http://schemas.openxmlformats.org/officeDocument/2006/customXml" ds:itemID="{54DA07C5-A406-4A0D-B3E6-3856C94AC7F3}">
-  <ds:schemaRefs>
-    <ds:schemaRef ds:uri="http://schemas.microsoft.com/office/2006/metadata/properties"/>
-    <ds:schemaRef ds:uri="http://schemas.microsoft.com/office/infopath/2007/PartnerControls"/>
-  </ds:schemaRefs>
-</ds:datastoreItem>
-</file>
-
-<file path=customXml/itemProps3.xml><?xml version="1.0" encoding="utf-8"?>
 <ds:datastoreItem xmlns:ds="http://schemas.openxmlformats.org/officeDocument/2006/customXml" ds:itemID="{887AE8FE-83F0-42D0-BB5E-14AD3FB1DE17}">
   <ds:schemaRefs>
     <ds:schemaRef ds:uri="http://schemas.microsoft.com/office/2006/metadata/contentType"/>
@@ -11619,4 +11750,13 @@
     <ds:schemaRef ds:uri="http://schemas.microsoft.com/internal/obd"/>
   </ds:schemaRefs>
 </ds:datastoreItem>
+</file>
+
+<file path=customXml/itemProps3.xml><?xml version="1.0" encoding="utf-8"?>
+<ds:datastoreItem xmlns:ds="http://schemas.openxmlformats.org/officeDocument/2006/customXml" ds:itemID="{54DA07C5-A406-4A0D-B3E6-3856C94AC7F3}">
+  <ds:schemaRefs>
+    <ds:schemaRef ds:uri="http://schemas.microsoft.com/office/2006/metadata/properties"/>
+    <ds:schemaRef ds:uri="http://schemas.microsoft.com/office/infopath/2007/PartnerControls"/>
+  </ds:schemaRefs>
+</ds:datastoreItem>
 </file>